--- a/Design.pptx
+++ b/Design.pptx
@@ -7,6 +7,8 @@
   <p:sldIdLst>
     <p:sldId id="257" r:id="rId2"/>
     <p:sldId id="256" r:id="rId3"/>
+    <p:sldId id="259" r:id="rId4"/>
+    <p:sldId id="258" r:id="rId5"/>
   </p:sldIdLst>
   <p:sldSz cx="9906000" cy="6858000" type="A4"/>
   <p:notesSz cx="6858000" cy="9144000"/>
@@ -244,7 +246,7 @@
           <a:p>
             <a:fld id="{8F80317F-7566-477F-B6CD-3F9706F5EF1A}" type="datetimeFigureOut">
               <a:rPr lang="en-US" smtClean="0"/>
-              <a:t>23-Jun-22</a:t>
+              <a:t>27-Jun-22</a:t>
             </a:fld>
             <a:endParaRPr lang="en-US"/>
           </a:p>
@@ -414,7 +416,7 @@
           <a:p>
             <a:fld id="{8F80317F-7566-477F-B6CD-3F9706F5EF1A}" type="datetimeFigureOut">
               <a:rPr lang="en-US" smtClean="0"/>
-              <a:t>23-Jun-22</a:t>
+              <a:t>27-Jun-22</a:t>
             </a:fld>
             <a:endParaRPr lang="en-US"/>
           </a:p>
@@ -594,7 +596,7 @@
           <a:p>
             <a:fld id="{8F80317F-7566-477F-B6CD-3F9706F5EF1A}" type="datetimeFigureOut">
               <a:rPr lang="en-US" smtClean="0"/>
-              <a:t>23-Jun-22</a:t>
+              <a:t>27-Jun-22</a:t>
             </a:fld>
             <a:endParaRPr lang="en-US"/>
           </a:p>
@@ -764,7 +766,7 @@
           <a:p>
             <a:fld id="{8F80317F-7566-477F-B6CD-3F9706F5EF1A}" type="datetimeFigureOut">
               <a:rPr lang="en-US" smtClean="0"/>
-              <a:t>23-Jun-22</a:t>
+              <a:t>27-Jun-22</a:t>
             </a:fld>
             <a:endParaRPr lang="en-US"/>
           </a:p>
@@ -1008,7 +1010,7 @@
           <a:p>
             <a:fld id="{8F80317F-7566-477F-B6CD-3F9706F5EF1A}" type="datetimeFigureOut">
               <a:rPr lang="en-US" smtClean="0"/>
-              <a:t>23-Jun-22</a:t>
+              <a:t>27-Jun-22</a:t>
             </a:fld>
             <a:endParaRPr lang="en-US"/>
           </a:p>
@@ -1240,7 +1242,7 @@
           <a:p>
             <a:fld id="{8F80317F-7566-477F-B6CD-3F9706F5EF1A}" type="datetimeFigureOut">
               <a:rPr lang="en-US" smtClean="0"/>
-              <a:t>23-Jun-22</a:t>
+              <a:t>27-Jun-22</a:t>
             </a:fld>
             <a:endParaRPr lang="en-US"/>
           </a:p>
@@ -1607,7 +1609,7 @@
           <a:p>
             <a:fld id="{8F80317F-7566-477F-B6CD-3F9706F5EF1A}" type="datetimeFigureOut">
               <a:rPr lang="en-US" smtClean="0"/>
-              <a:t>23-Jun-22</a:t>
+              <a:t>27-Jun-22</a:t>
             </a:fld>
             <a:endParaRPr lang="en-US"/>
           </a:p>
@@ -1725,7 +1727,7 @@
           <a:p>
             <a:fld id="{8F80317F-7566-477F-B6CD-3F9706F5EF1A}" type="datetimeFigureOut">
               <a:rPr lang="en-US" smtClean="0"/>
-              <a:t>23-Jun-22</a:t>
+              <a:t>27-Jun-22</a:t>
             </a:fld>
             <a:endParaRPr lang="en-US"/>
           </a:p>
@@ -1820,7 +1822,7 @@
           <a:p>
             <a:fld id="{8F80317F-7566-477F-B6CD-3F9706F5EF1A}" type="datetimeFigureOut">
               <a:rPr lang="en-US" smtClean="0"/>
-              <a:t>23-Jun-22</a:t>
+              <a:t>27-Jun-22</a:t>
             </a:fld>
             <a:endParaRPr lang="en-US"/>
           </a:p>
@@ -2097,7 +2099,7 @@
           <a:p>
             <a:fld id="{8F80317F-7566-477F-B6CD-3F9706F5EF1A}" type="datetimeFigureOut">
               <a:rPr lang="en-US" smtClean="0"/>
-              <a:t>23-Jun-22</a:t>
+              <a:t>27-Jun-22</a:t>
             </a:fld>
             <a:endParaRPr lang="en-US"/>
           </a:p>
@@ -2354,7 +2356,7 @@
           <a:p>
             <a:fld id="{8F80317F-7566-477F-B6CD-3F9706F5EF1A}" type="datetimeFigureOut">
               <a:rPr lang="en-US" smtClean="0"/>
-              <a:t>23-Jun-22</a:t>
+              <a:t>27-Jun-22</a:t>
             </a:fld>
             <a:endParaRPr lang="en-US"/>
           </a:p>
@@ -2567,7 +2569,7 @@
           <a:p>
             <a:fld id="{8F80317F-7566-477F-B6CD-3F9706F5EF1A}" type="datetimeFigureOut">
               <a:rPr lang="en-US" smtClean="0"/>
-              <a:t>23-Jun-22</a:t>
+              <a:t>27-Jun-22</a:t>
             </a:fld>
             <a:endParaRPr lang="en-US"/>
           </a:p>
@@ -3826,7 +3828,7 @@
         </p:nvSpPr>
         <p:spPr>
           <a:xfrm>
-            <a:off x="2967049" y="232797"/>
+            <a:off x="2998136" y="232797"/>
             <a:ext cx="1276754" cy="2743200"/>
           </a:xfrm>
           <a:prstGeom prst="rect">
@@ -3885,7 +3887,7 @@
         </p:nvSpPr>
         <p:spPr>
           <a:xfrm>
-            <a:off x="5727665" y="212271"/>
+            <a:off x="5641968" y="212271"/>
             <a:ext cx="1242803" cy="2743200"/>
           </a:xfrm>
           <a:prstGeom prst="rect">
@@ -4136,7 +4138,7 @@
         </p:nvSpPr>
         <p:spPr>
           <a:xfrm>
-            <a:off x="3378231" y="2827425"/>
+            <a:off x="3365445" y="2827425"/>
             <a:ext cx="542136" cy="923330"/>
           </a:xfrm>
           <a:prstGeom prst="rect">
@@ -4192,7 +4194,7 @@
         </p:nvSpPr>
         <p:spPr>
           <a:xfrm>
-            <a:off x="6108063" y="2827425"/>
+            <a:off x="5959507" y="2827425"/>
             <a:ext cx="542136" cy="923330"/>
           </a:xfrm>
           <a:prstGeom prst="rect">
@@ -4318,7 +4320,7 @@
         </p:nvSpPr>
         <p:spPr>
           <a:xfrm>
-            <a:off x="8514459" y="2975997"/>
+            <a:off x="8408543" y="2975997"/>
             <a:ext cx="952505" cy="584775"/>
           </a:xfrm>
           <a:prstGeom prst="rect">
@@ -4459,6 +4461,1468 @@
     <p:extLst>
       <p:ext uri="{BB962C8B-B14F-4D97-AF65-F5344CB8AC3E}">
         <p14:creationId xmlns:p14="http://schemas.microsoft.com/office/powerpoint/2010/main" val="742918318"/>
+      </p:ext>
+    </p:extLst>
+  </p:cSld>
+  <p:clrMapOvr>
+    <a:masterClrMapping/>
+  </p:clrMapOvr>
+</p:sld>
+</file>
+
+<file path=ppt/slides/slide3.xml><?xml version="1.0" encoding="utf-8"?>
+<p:sld xmlns:a="http://schemas.openxmlformats.org/drawingml/2006/main" xmlns:r="http://schemas.openxmlformats.org/officeDocument/2006/relationships" xmlns:p="http://schemas.openxmlformats.org/presentationml/2006/main">
+  <p:cSld>
+    <p:spTree>
+      <p:nvGrpSpPr>
+        <p:cNvPr id="1" name=""/>
+        <p:cNvGrpSpPr/>
+        <p:nvPr/>
+      </p:nvGrpSpPr>
+      <p:grpSpPr>
+        <a:xfrm>
+          <a:off x="0" y="0"/>
+          <a:ext cx="0" cy="0"/>
+          <a:chOff x="0" y="0"/>
+          <a:chExt cx="0" cy="0"/>
+        </a:xfrm>
+      </p:grpSpPr>
+      <p:sp>
+        <p:nvSpPr>
+          <p:cNvPr id="2" name="Rectangle 1">
+            <a:extLst>
+              <a:ext uri="{FF2B5EF4-FFF2-40B4-BE49-F238E27FC236}">
+                <a16:creationId xmlns:a16="http://schemas.microsoft.com/office/drawing/2014/main" id="{C9AA9A7B-BCB1-4784-AAB9-B7A32DCEAB9F}"/>
+              </a:ext>
+            </a:extLst>
+          </p:cNvPr>
+          <p:cNvSpPr/>
+          <p:nvPr/>
+        </p:nvSpPr>
+        <p:spPr>
+          <a:xfrm>
+            <a:off x="388255" y="212271"/>
+            <a:ext cx="1242803" cy="2743200"/>
+          </a:xfrm>
+          <a:prstGeom prst="rect">
+            <a:avLst/>
+          </a:prstGeom>
+          <a:solidFill>
+            <a:schemeClr val="bg2">
+              <a:lumMod val="75000"/>
+            </a:schemeClr>
+          </a:solidFill>
+          <a:ln>
+            <a:noFill/>
+          </a:ln>
+        </p:spPr>
+        <p:style>
+          <a:lnRef idx="2">
+            <a:schemeClr val="accent1">
+              <a:shade val="50000"/>
+            </a:schemeClr>
+          </a:lnRef>
+          <a:fillRef idx="1">
+            <a:schemeClr val="accent1"/>
+          </a:fillRef>
+          <a:effectRef idx="0">
+            <a:schemeClr val="accent1"/>
+          </a:effectRef>
+          <a:fontRef idx="minor">
+            <a:schemeClr val="lt1"/>
+          </a:fontRef>
+        </p:style>
+        <p:txBody>
+          <a:bodyPr rot="0" spcFirstLastPara="0" vertOverflow="overflow" horzOverflow="overflow" vert="horz" wrap="square" lIns="91440" tIns="45720" rIns="91440" bIns="45720" numCol="1" spcCol="0" rtlCol="0" fromWordArt="0" anchor="ctr" anchorCtr="0" forceAA="0" compatLnSpc="1">
+            <a:prstTxWarp prst="textNoShape">
+              <a:avLst/>
+            </a:prstTxWarp>
+            <a:noAutofit/>
+          </a:bodyPr>
+          <a:lstStyle/>
+          <a:p>
+            <a:pPr algn="ctr"/>
+            <a:endParaRPr lang="en-US"/>
+          </a:p>
+        </p:txBody>
+      </p:sp>
+      <p:sp>
+        <p:nvSpPr>
+          <p:cNvPr id="3" name="Rectangle 2">
+            <a:extLst>
+              <a:ext uri="{FF2B5EF4-FFF2-40B4-BE49-F238E27FC236}">
+                <a16:creationId xmlns:a16="http://schemas.microsoft.com/office/drawing/2014/main" id="{BABC9CCE-D411-4B3B-AB4C-2283EC53BF25}"/>
+              </a:ext>
+            </a:extLst>
+          </p:cNvPr>
+          <p:cNvSpPr/>
+          <p:nvPr/>
+        </p:nvSpPr>
+        <p:spPr>
+          <a:xfrm>
+            <a:off x="2998136" y="232797"/>
+            <a:ext cx="1276754" cy="2743200"/>
+          </a:xfrm>
+          <a:prstGeom prst="rect">
+            <a:avLst/>
+          </a:prstGeom>
+          <a:solidFill>
+            <a:schemeClr val="bg2">
+              <a:lumMod val="75000"/>
+            </a:schemeClr>
+          </a:solidFill>
+          <a:ln>
+            <a:noFill/>
+          </a:ln>
+        </p:spPr>
+        <p:style>
+          <a:lnRef idx="2">
+            <a:schemeClr val="accent1">
+              <a:shade val="50000"/>
+            </a:schemeClr>
+          </a:lnRef>
+          <a:fillRef idx="1">
+            <a:schemeClr val="accent1"/>
+          </a:fillRef>
+          <a:effectRef idx="0">
+            <a:schemeClr val="accent1"/>
+          </a:effectRef>
+          <a:fontRef idx="minor">
+            <a:schemeClr val="lt1"/>
+          </a:fontRef>
+        </p:style>
+        <p:txBody>
+          <a:bodyPr rot="0" spcFirstLastPara="0" vertOverflow="overflow" horzOverflow="overflow" vert="horz" wrap="square" lIns="91440" tIns="45720" rIns="91440" bIns="45720" numCol="1" spcCol="0" rtlCol="0" fromWordArt="0" anchor="ctr" anchorCtr="0" forceAA="0" compatLnSpc="1">
+            <a:prstTxWarp prst="textNoShape">
+              <a:avLst/>
+            </a:prstTxWarp>
+            <a:noAutofit/>
+          </a:bodyPr>
+          <a:lstStyle/>
+          <a:p>
+            <a:pPr algn="ctr"/>
+            <a:endParaRPr lang="en-US"/>
+          </a:p>
+        </p:txBody>
+      </p:sp>
+      <p:sp>
+        <p:nvSpPr>
+          <p:cNvPr id="12" name="Rectangle 11">
+            <a:extLst>
+              <a:ext uri="{FF2B5EF4-FFF2-40B4-BE49-F238E27FC236}">
+                <a16:creationId xmlns:a16="http://schemas.microsoft.com/office/drawing/2014/main" id="{5A2C0630-700C-4C86-BE09-7AA738E1C03D}"/>
+              </a:ext>
+            </a:extLst>
+          </p:cNvPr>
+          <p:cNvSpPr/>
+          <p:nvPr/>
+        </p:nvSpPr>
+        <p:spPr>
+          <a:xfrm>
+            <a:off x="5641968" y="212271"/>
+            <a:ext cx="1242803" cy="2743200"/>
+          </a:xfrm>
+          <a:prstGeom prst="rect">
+            <a:avLst/>
+          </a:prstGeom>
+          <a:solidFill>
+            <a:schemeClr val="bg2">
+              <a:lumMod val="75000"/>
+            </a:schemeClr>
+          </a:solidFill>
+          <a:ln>
+            <a:noFill/>
+          </a:ln>
+        </p:spPr>
+        <p:style>
+          <a:lnRef idx="2">
+            <a:schemeClr val="accent1">
+              <a:shade val="50000"/>
+            </a:schemeClr>
+          </a:lnRef>
+          <a:fillRef idx="1">
+            <a:schemeClr val="accent1"/>
+          </a:fillRef>
+          <a:effectRef idx="0">
+            <a:schemeClr val="accent1"/>
+          </a:effectRef>
+          <a:fontRef idx="minor">
+            <a:schemeClr val="lt1"/>
+          </a:fontRef>
+        </p:style>
+        <p:txBody>
+          <a:bodyPr rot="0" spcFirstLastPara="0" vertOverflow="overflow" horzOverflow="overflow" vert="horz" wrap="square" lIns="91440" tIns="45720" rIns="91440" bIns="45720" numCol="1" spcCol="0" rtlCol="0" fromWordArt="0" anchor="ctr" anchorCtr="0" forceAA="0" compatLnSpc="1">
+            <a:prstTxWarp prst="textNoShape">
+              <a:avLst/>
+            </a:prstTxWarp>
+            <a:noAutofit/>
+          </a:bodyPr>
+          <a:lstStyle/>
+          <a:p>
+            <a:pPr algn="ctr"/>
+            <a:endParaRPr lang="en-US"/>
+          </a:p>
+        </p:txBody>
+      </p:sp>
+      <p:sp>
+        <p:nvSpPr>
+          <p:cNvPr id="14" name="Rectangle 13">
+            <a:extLst>
+              <a:ext uri="{FF2B5EF4-FFF2-40B4-BE49-F238E27FC236}">
+                <a16:creationId xmlns:a16="http://schemas.microsoft.com/office/drawing/2014/main" id="{B5362D24-31EA-4B39-9F9E-B86784555C88}"/>
+              </a:ext>
+            </a:extLst>
+          </p:cNvPr>
+          <p:cNvSpPr/>
+          <p:nvPr/>
+        </p:nvSpPr>
+        <p:spPr>
+          <a:xfrm>
+            <a:off x="8251848" y="4025539"/>
+            <a:ext cx="1265896" cy="2743200"/>
+          </a:xfrm>
+          <a:prstGeom prst="rect">
+            <a:avLst/>
+          </a:prstGeom>
+          <a:solidFill>
+            <a:schemeClr val="bg2">
+              <a:lumMod val="75000"/>
+            </a:schemeClr>
+          </a:solidFill>
+          <a:ln>
+            <a:noFill/>
+          </a:ln>
+        </p:spPr>
+        <p:style>
+          <a:lnRef idx="2">
+            <a:schemeClr val="accent1">
+              <a:shade val="50000"/>
+            </a:schemeClr>
+          </a:lnRef>
+          <a:fillRef idx="1">
+            <a:schemeClr val="accent1"/>
+          </a:fillRef>
+          <a:effectRef idx="0">
+            <a:schemeClr val="accent1"/>
+          </a:effectRef>
+          <a:fontRef idx="minor">
+            <a:schemeClr val="lt1"/>
+          </a:fontRef>
+        </p:style>
+        <p:txBody>
+          <a:bodyPr rot="0" spcFirstLastPara="0" vertOverflow="overflow" horzOverflow="overflow" vert="horz" wrap="square" lIns="91440" tIns="45720" rIns="91440" bIns="45720" numCol="1" spcCol="0" rtlCol="0" fromWordArt="0" anchor="ctr" anchorCtr="0" forceAA="0" compatLnSpc="1">
+            <a:prstTxWarp prst="textNoShape">
+              <a:avLst/>
+            </a:prstTxWarp>
+            <a:noAutofit/>
+          </a:bodyPr>
+          <a:lstStyle/>
+          <a:p>
+            <a:pPr algn="ctr"/>
+            <a:endParaRPr lang="en-US"/>
+          </a:p>
+        </p:txBody>
+      </p:sp>
+      <p:sp>
+        <p:nvSpPr>
+          <p:cNvPr id="15" name="Rectangle 14">
+            <a:extLst>
+              <a:ext uri="{FF2B5EF4-FFF2-40B4-BE49-F238E27FC236}">
+                <a16:creationId xmlns:a16="http://schemas.microsoft.com/office/drawing/2014/main" id="{00875163-796E-4AE2-B2E6-B42C1EB80C66}"/>
+              </a:ext>
+            </a:extLst>
+          </p:cNvPr>
+          <p:cNvSpPr/>
+          <p:nvPr/>
+        </p:nvSpPr>
+        <p:spPr>
+          <a:xfrm>
+            <a:off x="8251848" y="232797"/>
+            <a:ext cx="1242803" cy="2743200"/>
+          </a:xfrm>
+          <a:prstGeom prst="rect">
+            <a:avLst/>
+          </a:prstGeom>
+          <a:solidFill>
+            <a:schemeClr val="bg2">
+              <a:lumMod val="75000"/>
+            </a:schemeClr>
+          </a:solidFill>
+          <a:ln>
+            <a:noFill/>
+          </a:ln>
+        </p:spPr>
+        <p:style>
+          <a:lnRef idx="2">
+            <a:schemeClr val="accent1">
+              <a:shade val="50000"/>
+            </a:schemeClr>
+          </a:lnRef>
+          <a:fillRef idx="1">
+            <a:schemeClr val="accent1"/>
+          </a:fillRef>
+          <a:effectRef idx="0">
+            <a:schemeClr val="accent1"/>
+          </a:effectRef>
+          <a:fontRef idx="minor">
+            <a:schemeClr val="lt1"/>
+          </a:fontRef>
+        </p:style>
+        <p:txBody>
+          <a:bodyPr rot="0" spcFirstLastPara="0" vertOverflow="overflow" horzOverflow="overflow" vert="horz" wrap="square" lIns="91440" tIns="45720" rIns="91440" bIns="45720" numCol="1" spcCol="0" rtlCol="0" fromWordArt="0" anchor="ctr" anchorCtr="0" forceAA="0" compatLnSpc="1">
+            <a:prstTxWarp prst="textNoShape">
+              <a:avLst/>
+            </a:prstTxWarp>
+            <a:noAutofit/>
+          </a:bodyPr>
+          <a:lstStyle/>
+          <a:p>
+            <a:pPr algn="ctr"/>
+            <a:endParaRPr lang="en-US"/>
+          </a:p>
+        </p:txBody>
+      </p:sp>
+      <p:sp>
+        <p:nvSpPr>
+          <p:cNvPr id="8" name="Rectangle 7">
+            <a:extLst>
+              <a:ext uri="{FF2B5EF4-FFF2-40B4-BE49-F238E27FC236}">
+                <a16:creationId xmlns:a16="http://schemas.microsoft.com/office/drawing/2014/main" id="{DEC8C524-AB65-4724-9DBD-06F48B8EAE1C}"/>
+              </a:ext>
+            </a:extLst>
+          </p:cNvPr>
+          <p:cNvSpPr/>
+          <p:nvPr/>
+        </p:nvSpPr>
+        <p:spPr>
+          <a:xfrm>
+            <a:off x="677741" y="2827425"/>
+            <a:ext cx="542136" cy="923330"/>
+          </a:xfrm>
+          <a:prstGeom prst="rect">
+            <a:avLst/>
+          </a:prstGeom>
+          <a:noFill/>
+          <a:ln>
+            <a:noFill/>
+          </a:ln>
+        </p:spPr>
+        <p:txBody>
+          <a:bodyPr wrap="none" lIns="91440" tIns="45720" rIns="91440" bIns="45720">
+            <a:spAutoFit/>
+          </a:bodyPr>
+          <a:lstStyle/>
+          <a:p>
+            <a:pPr algn="ctr"/>
+            <a:r>
+              <a:rPr lang="en-US" sz="5400" b="1" spc="50" dirty="0">
+                <a:ln w="9525" cmpd="sng">
+                  <a:solidFill>
+                    <a:schemeClr val="accent1"/>
+                  </a:solidFill>
+                  <a:prstDash val="solid"/>
+                </a:ln>
+                <a:solidFill>
+                  <a:srgbClr val="EC40B3"/>
+                </a:solidFill>
+                <a:effectLst>
+                  <a:glow rad="38100">
+                    <a:schemeClr val="accent1">
+                      <a:alpha val="40000"/>
+                    </a:schemeClr>
+                  </a:glow>
+                </a:effectLst>
+              </a:rPr>
+              <a:t>6</a:t>
+            </a:r>
+            <a:endParaRPr lang="en-US" sz="5400" b="1" cap="none" spc="50" dirty="0">
+              <a:ln w="9525" cmpd="sng">
+                <a:solidFill>
+                  <a:schemeClr val="accent1"/>
+                </a:solidFill>
+                <a:prstDash val="solid"/>
+              </a:ln>
+              <a:solidFill>
+                <a:srgbClr val="EC40B3"/>
+              </a:solidFill>
+              <a:effectLst>
+                <a:glow rad="38100">
+                  <a:schemeClr val="accent1">
+                    <a:alpha val="40000"/>
+                  </a:schemeClr>
+                </a:glow>
+              </a:effectLst>
+            </a:endParaRPr>
+          </a:p>
+        </p:txBody>
+      </p:sp>
+      <p:sp>
+        <p:nvSpPr>
+          <p:cNvPr id="9" name="Rectangle 8">
+            <a:extLst>
+              <a:ext uri="{FF2B5EF4-FFF2-40B4-BE49-F238E27FC236}">
+                <a16:creationId xmlns:a16="http://schemas.microsoft.com/office/drawing/2014/main" id="{8F09D98F-E2AA-4EB5-A3EF-C4EBB88B8431}"/>
+              </a:ext>
+            </a:extLst>
+          </p:cNvPr>
+          <p:cNvSpPr/>
+          <p:nvPr/>
+        </p:nvSpPr>
+        <p:spPr>
+          <a:xfrm>
+            <a:off x="3365445" y="2827425"/>
+            <a:ext cx="542136" cy="923330"/>
+          </a:xfrm>
+          <a:prstGeom prst="rect">
+            <a:avLst/>
+          </a:prstGeom>
+          <a:noFill/>
+          <a:ln>
+            <a:noFill/>
+          </a:ln>
+        </p:spPr>
+        <p:txBody>
+          <a:bodyPr wrap="none" lIns="91440" tIns="45720" rIns="91440" bIns="45720">
+            <a:spAutoFit/>
+          </a:bodyPr>
+          <a:lstStyle/>
+          <a:p>
+            <a:pPr algn="ctr"/>
+            <a:r>
+              <a:rPr lang="en-US" sz="5400" b="1" cap="none" spc="50" dirty="0">
+                <a:ln w="9525" cmpd="sng">
+                  <a:solidFill>
+                    <a:schemeClr val="accent1"/>
+                  </a:solidFill>
+                  <a:prstDash val="solid"/>
+                </a:ln>
+                <a:solidFill>
+                  <a:srgbClr val="EC40B3"/>
+                </a:solidFill>
+                <a:effectLst>
+                  <a:glow rad="38100">
+                    <a:schemeClr val="accent1">
+                      <a:alpha val="40000"/>
+                    </a:schemeClr>
+                  </a:glow>
+                </a:effectLst>
+              </a:rPr>
+              <a:t>7</a:t>
+            </a:r>
+          </a:p>
+        </p:txBody>
+      </p:sp>
+      <p:sp>
+        <p:nvSpPr>
+          <p:cNvPr id="10" name="Rectangle 9">
+            <a:extLst>
+              <a:ext uri="{FF2B5EF4-FFF2-40B4-BE49-F238E27FC236}">
+                <a16:creationId xmlns:a16="http://schemas.microsoft.com/office/drawing/2014/main" id="{33A9EB82-3209-49B9-87C8-45A63D486E74}"/>
+              </a:ext>
+            </a:extLst>
+          </p:cNvPr>
+          <p:cNvSpPr/>
+          <p:nvPr/>
+        </p:nvSpPr>
+        <p:spPr>
+          <a:xfrm>
+            <a:off x="5959507" y="2827425"/>
+            <a:ext cx="542136" cy="923330"/>
+          </a:xfrm>
+          <a:prstGeom prst="rect">
+            <a:avLst/>
+          </a:prstGeom>
+          <a:noFill/>
+          <a:ln>
+            <a:noFill/>
+          </a:ln>
+        </p:spPr>
+        <p:txBody>
+          <a:bodyPr wrap="none" lIns="91440" tIns="45720" rIns="91440" bIns="45720">
+            <a:spAutoFit/>
+          </a:bodyPr>
+          <a:lstStyle/>
+          <a:p>
+            <a:pPr algn="ctr"/>
+            <a:r>
+              <a:rPr lang="en-US" sz="5400" b="1" spc="50" dirty="0">
+                <a:ln w="9525" cmpd="sng">
+                  <a:solidFill>
+                    <a:schemeClr val="accent1"/>
+                  </a:solidFill>
+                  <a:prstDash val="solid"/>
+                </a:ln>
+                <a:solidFill>
+                  <a:srgbClr val="EC40B3"/>
+                </a:solidFill>
+                <a:effectLst>
+                  <a:glow rad="38100">
+                    <a:schemeClr val="accent1">
+                      <a:alpha val="40000"/>
+                    </a:schemeClr>
+                  </a:glow>
+                </a:effectLst>
+              </a:rPr>
+              <a:t>8</a:t>
+            </a:r>
+            <a:endParaRPr lang="en-US" sz="5400" b="1" cap="none" spc="50" dirty="0">
+              <a:ln w="9525" cmpd="sng">
+                <a:solidFill>
+                  <a:schemeClr val="accent1"/>
+                </a:solidFill>
+                <a:prstDash val="solid"/>
+              </a:ln>
+              <a:solidFill>
+                <a:srgbClr val="EC40B3"/>
+              </a:solidFill>
+              <a:effectLst>
+                <a:glow rad="38100">
+                  <a:schemeClr val="accent1">
+                    <a:alpha val="40000"/>
+                  </a:schemeClr>
+                </a:glow>
+              </a:effectLst>
+            </a:endParaRPr>
+          </a:p>
+        </p:txBody>
+      </p:sp>
+      <p:sp>
+        <p:nvSpPr>
+          <p:cNvPr id="11" name="Rectangle 10">
+            <a:extLst>
+              <a:ext uri="{FF2B5EF4-FFF2-40B4-BE49-F238E27FC236}">
+                <a16:creationId xmlns:a16="http://schemas.microsoft.com/office/drawing/2014/main" id="{BB038B1D-7F0E-4DAC-96CB-F07F2B18A309}"/>
+              </a:ext>
+            </a:extLst>
+          </p:cNvPr>
+          <p:cNvSpPr/>
+          <p:nvPr/>
+        </p:nvSpPr>
+        <p:spPr>
+          <a:xfrm>
+            <a:off x="0" y="3602183"/>
+            <a:ext cx="9906000" cy="82747"/>
+          </a:xfrm>
+          <a:prstGeom prst="rect">
+            <a:avLst/>
+          </a:prstGeom>
+          <a:solidFill>
+            <a:schemeClr val="accent4"/>
+          </a:solidFill>
+          <a:ln>
+            <a:noFill/>
+          </a:ln>
+        </p:spPr>
+        <p:style>
+          <a:lnRef idx="2">
+            <a:schemeClr val="accent1">
+              <a:shade val="50000"/>
+            </a:schemeClr>
+          </a:lnRef>
+          <a:fillRef idx="1">
+            <a:schemeClr val="accent1"/>
+          </a:fillRef>
+          <a:effectRef idx="0">
+            <a:schemeClr val="accent1"/>
+          </a:effectRef>
+          <a:fontRef idx="minor">
+            <a:schemeClr val="lt1"/>
+          </a:fontRef>
+        </p:style>
+        <p:txBody>
+          <a:bodyPr rtlCol="0" anchor="ctr"/>
+          <a:lstStyle/>
+          <a:p>
+            <a:pPr algn="ctr"/>
+            <a:endParaRPr lang="en-US" dirty="0"/>
+          </a:p>
+        </p:txBody>
+      </p:sp>
+      <p:sp>
+        <p:nvSpPr>
+          <p:cNvPr id="16" name="Rectangle 15">
+            <a:extLst>
+              <a:ext uri="{FF2B5EF4-FFF2-40B4-BE49-F238E27FC236}">
+                <a16:creationId xmlns:a16="http://schemas.microsoft.com/office/drawing/2014/main" id="{E562398C-BE56-40D5-9248-0D9E6647AF10}"/>
+              </a:ext>
+            </a:extLst>
+          </p:cNvPr>
+          <p:cNvSpPr/>
+          <p:nvPr/>
+        </p:nvSpPr>
+        <p:spPr>
+          <a:xfrm>
+            <a:off x="8408543" y="2975997"/>
+            <a:ext cx="952505" cy="584775"/>
+          </a:xfrm>
+          <a:prstGeom prst="rect">
+            <a:avLst/>
+          </a:prstGeom>
+          <a:noFill/>
+          <a:ln>
+            <a:noFill/>
+          </a:ln>
+        </p:spPr>
+        <p:txBody>
+          <a:bodyPr wrap="none" lIns="91440" tIns="45720" rIns="91440" bIns="45720">
+            <a:spAutoFit/>
+          </a:bodyPr>
+          <a:lstStyle/>
+          <a:p>
+            <a:pPr algn="ctr"/>
+            <a:r>
+              <a:rPr lang="en-US" sz="3200" b="1" cap="none" spc="50" dirty="0">
+                <a:ln w="9525" cmpd="sng">
+                  <a:solidFill>
+                    <a:schemeClr val="accent1"/>
+                  </a:solidFill>
+                  <a:prstDash val="solid"/>
+                </a:ln>
+                <a:solidFill>
+                  <a:srgbClr val="EC40B3"/>
+                </a:solidFill>
+                <a:effectLst>
+                  <a:glow rad="38100">
+                    <a:schemeClr val="accent1">
+                      <a:alpha val="40000"/>
+                    </a:schemeClr>
+                  </a:glow>
+                </a:effectLst>
+              </a:rPr>
+              <a:t>OU</a:t>
+            </a:r>
+            <a:r>
+              <a:rPr lang="en-US" sz="3200" b="1" spc="50" dirty="0">
+                <a:ln w="9525" cmpd="sng">
+                  <a:solidFill>
+                    <a:schemeClr val="accent1"/>
+                  </a:solidFill>
+                  <a:prstDash val="solid"/>
+                </a:ln>
+                <a:solidFill>
+                  <a:srgbClr val="EC40B3"/>
+                </a:solidFill>
+                <a:effectLst>
+                  <a:glow rad="38100">
+                    <a:schemeClr val="accent1">
+                      <a:alpha val="40000"/>
+                    </a:schemeClr>
+                  </a:glow>
+                </a:effectLst>
+              </a:rPr>
+              <a:t>T</a:t>
+            </a:r>
+            <a:endParaRPr lang="en-US" sz="3200" b="1" cap="none" spc="50" dirty="0">
+              <a:ln w="9525" cmpd="sng">
+                <a:solidFill>
+                  <a:schemeClr val="accent1"/>
+                </a:solidFill>
+                <a:prstDash val="solid"/>
+              </a:ln>
+              <a:solidFill>
+                <a:srgbClr val="EC40B3"/>
+              </a:solidFill>
+              <a:effectLst>
+                <a:glow rad="38100">
+                  <a:schemeClr val="accent1">
+                    <a:alpha val="40000"/>
+                  </a:schemeClr>
+                </a:glow>
+              </a:effectLst>
+            </a:endParaRPr>
+          </a:p>
+        </p:txBody>
+      </p:sp>
+      <p:sp>
+        <p:nvSpPr>
+          <p:cNvPr id="17" name="Rectangle 16">
+            <a:extLst>
+              <a:ext uri="{FF2B5EF4-FFF2-40B4-BE49-F238E27FC236}">
+                <a16:creationId xmlns:a16="http://schemas.microsoft.com/office/drawing/2014/main" id="{211A8D0C-7B4C-4947-B734-CF9520F9CFFF}"/>
+              </a:ext>
+            </a:extLst>
+          </p:cNvPr>
+          <p:cNvSpPr/>
+          <p:nvPr/>
+        </p:nvSpPr>
+        <p:spPr>
+          <a:xfrm>
+            <a:off x="8536068" y="3625429"/>
+            <a:ext cx="909288" cy="400110"/>
+          </a:xfrm>
+          <a:prstGeom prst="rect">
+            <a:avLst/>
+          </a:prstGeom>
+          <a:noFill/>
+          <a:ln>
+            <a:noFill/>
+          </a:ln>
+        </p:spPr>
+        <p:txBody>
+          <a:bodyPr wrap="none" lIns="91440" tIns="45720" rIns="91440" bIns="45720">
+            <a:spAutoFit/>
+          </a:bodyPr>
+          <a:lstStyle/>
+          <a:p>
+            <a:pPr algn="ctr"/>
+            <a:r>
+              <a:rPr lang="en-US" sz="2000" b="1" cap="none" spc="50" dirty="0">
+                <a:ln w="9525" cmpd="sng">
+                  <a:solidFill>
+                    <a:schemeClr val="accent1"/>
+                  </a:solidFill>
+                  <a:prstDash val="solid"/>
+                </a:ln>
+                <a:solidFill>
+                  <a:srgbClr val="EC40B3"/>
+                </a:solidFill>
+                <a:effectLst>
+                  <a:glow rad="38100">
+                    <a:schemeClr val="accent1">
+                      <a:alpha val="40000"/>
+                    </a:schemeClr>
+                  </a:glow>
+                </a:effectLst>
+              </a:rPr>
+              <a:t>ENTRY</a:t>
+            </a:r>
+          </a:p>
+        </p:txBody>
+      </p:sp>
+      <p:grpSp>
+        <p:nvGrpSpPr>
+          <p:cNvPr id="6" name="Group 5">
+            <a:extLst>
+              <a:ext uri="{FF2B5EF4-FFF2-40B4-BE49-F238E27FC236}">
+                <a16:creationId xmlns:a16="http://schemas.microsoft.com/office/drawing/2014/main" id="{7FFC4B2F-B9E7-4DC1-94BC-9FC9E8A225D5}"/>
+              </a:ext>
+            </a:extLst>
+          </p:cNvPr>
+          <p:cNvGrpSpPr/>
+          <p:nvPr/>
+        </p:nvGrpSpPr>
+        <p:grpSpPr>
+          <a:xfrm>
+            <a:off x="6569505" y="3038216"/>
+            <a:ext cx="1311564" cy="1127934"/>
+            <a:chOff x="6619190" y="3186788"/>
+            <a:chExt cx="1311564" cy="1127934"/>
+          </a:xfrm>
+        </p:grpSpPr>
+        <p:sp>
+          <p:nvSpPr>
+            <p:cNvPr id="4" name="Rectangle 3">
+              <a:extLst>
+                <a:ext uri="{FF2B5EF4-FFF2-40B4-BE49-F238E27FC236}">
+                  <a16:creationId xmlns:a16="http://schemas.microsoft.com/office/drawing/2014/main" id="{D6F8E1B6-B9A8-46F2-BDB0-C21E1A6C0246}"/>
+                </a:ext>
+              </a:extLst>
+            </p:cNvPr>
+            <p:cNvSpPr/>
+            <p:nvPr/>
+          </p:nvSpPr>
+          <p:spPr>
+            <a:xfrm>
+              <a:off x="6619190" y="3186788"/>
+              <a:ext cx="1311564" cy="1127934"/>
+            </a:xfrm>
+            <a:prstGeom prst="rect">
+              <a:avLst/>
+            </a:prstGeom>
+            <a:solidFill>
+              <a:schemeClr val="accent1">
+                <a:lumMod val="75000"/>
+              </a:schemeClr>
+            </a:solidFill>
+            <a:ln>
+              <a:noFill/>
+            </a:ln>
+          </p:spPr>
+          <p:style>
+            <a:lnRef idx="2">
+              <a:schemeClr val="accent1">
+                <a:shade val="50000"/>
+              </a:schemeClr>
+            </a:lnRef>
+            <a:fillRef idx="1">
+              <a:schemeClr val="accent1"/>
+            </a:fillRef>
+            <a:effectRef idx="0">
+              <a:schemeClr val="accent1"/>
+            </a:effectRef>
+            <a:fontRef idx="minor">
+              <a:schemeClr val="lt1"/>
+            </a:fontRef>
+          </p:style>
+          <p:txBody>
+            <a:bodyPr rtlCol="0" anchor="ctr"/>
+            <a:lstStyle/>
+            <a:p>
+              <a:pPr algn="ctr"/>
+              <a:endParaRPr lang="en-US"/>
+            </a:p>
+          </p:txBody>
+        </p:sp>
+        <p:sp>
+          <p:nvSpPr>
+            <p:cNvPr id="5" name="Rectangle 4">
+              <a:extLst>
+                <a:ext uri="{FF2B5EF4-FFF2-40B4-BE49-F238E27FC236}">
+                  <a16:creationId xmlns:a16="http://schemas.microsoft.com/office/drawing/2014/main" id="{AA2E9193-280D-4717-A753-2F18BB525EE5}"/>
+                </a:ext>
+              </a:extLst>
+            </p:cNvPr>
+            <p:cNvSpPr/>
+            <p:nvPr/>
+          </p:nvSpPr>
+          <p:spPr>
+            <a:xfrm>
+              <a:off x="6710325" y="3392542"/>
+              <a:ext cx="1122422" cy="584775"/>
+            </a:xfrm>
+            <a:prstGeom prst="rect">
+              <a:avLst/>
+            </a:prstGeom>
+            <a:noFill/>
+          </p:spPr>
+          <p:txBody>
+            <a:bodyPr wrap="none" lIns="91440" tIns="45720" rIns="91440" bIns="45720">
+              <a:spAutoFit/>
+            </a:bodyPr>
+            <a:lstStyle/>
+            <a:p>
+              <a:pPr algn="ctr"/>
+              <a:r>
+                <a:rPr lang="en-US" sz="3200" b="0" cap="none" spc="0" dirty="0">
+                  <a:ln w="0"/>
+                  <a:solidFill>
+                    <a:schemeClr val="bg1"/>
+                  </a:solidFill>
+                  <a:effectLst>
+                    <a:outerShdw blurRad="38100" dist="19050" dir="2700000" algn="tl" rotWithShape="0">
+                      <a:schemeClr val="dk1">
+                        <a:alpha val="40000"/>
+                      </a:schemeClr>
+                    </a:outerShdw>
+                  </a:effectLst>
+                </a:rPr>
+                <a:t>Servo</a:t>
+              </a:r>
+            </a:p>
+          </p:txBody>
+        </p:sp>
+      </p:grpSp>
+      <p:grpSp>
+        <p:nvGrpSpPr>
+          <p:cNvPr id="13" name="Group 12">
+            <a:extLst>
+              <a:ext uri="{FF2B5EF4-FFF2-40B4-BE49-F238E27FC236}">
+                <a16:creationId xmlns:a16="http://schemas.microsoft.com/office/drawing/2014/main" id="{00AA6E1F-3677-4067-A140-41D231D995E1}"/>
+              </a:ext>
+            </a:extLst>
+          </p:cNvPr>
+          <p:cNvGrpSpPr/>
+          <p:nvPr/>
+        </p:nvGrpSpPr>
+        <p:grpSpPr>
+          <a:xfrm>
+            <a:off x="7169021" y="4329157"/>
+            <a:ext cx="399879" cy="2465287"/>
+            <a:chOff x="7868758" y="4311116"/>
+            <a:chExt cx="338554" cy="2546884"/>
+          </a:xfrm>
+        </p:grpSpPr>
+        <p:sp>
+          <p:nvSpPr>
+            <p:cNvPr id="19" name="Rectangle 18">
+              <a:extLst>
+                <a:ext uri="{FF2B5EF4-FFF2-40B4-BE49-F238E27FC236}">
+                  <a16:creationId xmlns:a16="http://schemas.microsoft.com/office/drawing/2014/main" id="{01009C27-B668-459F-B1D0-17D793A9D6D1}"/>
+                </a:ext>
+              </a:extLst>
+            </p:cNvPr>
+            <p:cNvSpPr/>
+            <p:nvPr/>
+          </p:nvSpPr>
+          <p:spPr>
+            <a:xfrm>
+              <a:off x="7881070" y="4311116"/>
+              <a:ext cx="286432" cy="2546884"/>
+            </a:xfrm>
+            <a:prstGeom prst="rect">
+              <a:avLst/>
+            </a:prstGeom>
+            <a:solidFill>
+              <a:schemeClr val="accent1">
+                <a:lumMod val="75000"/>
+              </a:schemeClr>
+            </a:solidFill>
+            <a:ln>
+              <a:noFill/>
+            </a:ln>
+          </p:spPr>
+          <p:style>
+            <a:lnRef idx="2">
+              <a:schemeClr val="accent1">
+                <a:shade val="50000"/>
+              </a:schemeClr>
+            </a:lnRef>
+            <a:fillRef idx="1">
+              <a:schemeClr val="accent1"/>
+            </a:fillRef>
+            <a:effectRef idx="0">
+              <a:schemeClr val="accent1"/>
+            </a:effectRef>
+            <a:fontRef idx="minor">
+              <a:schemeClr val="lt1"/>
+            </a:fontRef>
+          </p:style>
+          <p:txBody>
+            <a:bodyPr rtlCol="0" anchor="ctr"/>
+            <a:lstStyle/>
+            <a:p>
+              <a:pPr algn="ctr"/>
+              <a:endParaRPr lang="en-US"/>
+            </a:p>
+          </p:txBody>
+        </p:sp>
+        <p:sp>
+          <p:nvSpPr>
+            <p:cNvPr id="7" name="Rectangle 6">
+              <a:extLst>
+                <a:ext uri="{FF2B5EF4-FFF2-40B4-BE49-F238E27FC236}">
+                  <a16:creationId xmlns:a16="http://schemas.microsoft.com/office/drawing/2014/main" id="{5B217471-7967-4175-BF76-449AEE7129B2}"/>
+                </a:ext>
+              </a:extLst>
+            </p:cNvPr>
+            <p:cNvSpPr/>
+            <p:nvPr/>
+          </p:nvSpPr>
+          <p:spPr>
+            <a:xfrm rot="16200000">
+              <a:off x="7762511" y="4866382"/>
+              <a:ext cx="551048" cy="338554"/>
+            </a:xfrm>
+            <a:prstGeom prst="rect">
+              <a:avLst/>
+            </a:prstGeom>
+            <a:noFill/>
+          </p:spPr>
+          <p:txBody>
+            <a:bodyPr wrap="none" lIns="91440" tIns="45720" rIns="91440" bIns="45720">
+              <a:spAutoFit/>
+            </a:bodyPr>
+            <a:lstStyle/>
+            <a:p>
+              <a:pPr algn="ctr"/>
+              <a:r>
+                <a:rPr lang="en-US" sz="1600" b="0" cap="none" spc="0" dirty="0">
+                  <a:ln w="0"/>
+                  <a:solidFill>
+                    <a:schemeClr val="tx1"/>
+                  </a:solidFill>
+                  <a:effectLst>
+                    <a:outerShdw blurRad="38100" dist="19050" dir="2700000" algn="tl" rotWithShape="0">
+                      <a:schemeClr val="dk1">
+                        <a:alpha val="40000"/>
+                      </a:schemeClr>
+                    </a:outerShdw>
+                  </a:effectLst>
+                </a:rPr>
+                <a:t>Wall</a:t>
+              </a:r>
+            </a:p>
+          </p:txBody>
+        </p:sp>
+      </p:grpSp>
+      <p:grpSp>
+        <p:nvGrpSpPr>
+          <p:cNvPr id="23" name="Group 22">
+            <a:extLst>
+              <a:ext uri="{FF2B5EF4-FFF2-40B4-BE49-F238E27FC236}">
+                <a16:creationId xmlns:a16="http://schemas.microsoft.com/office/drawing/2014/main" id="{9DF7F7C1-0305-44D7-B7C4-A26F7B8663F7}"/>
+              </a:ext>
+            </a:extLst>
+          </p:cNvPr>
+          <p:cNvGrpSpPr/>
+          <p:nvPr/>
+        </p:nvGrpSpPr>
+        <p:grpSpPr>
+          <a:xfrm>
+            <a:off x="7723744" y="4401737"/>
+            <a:ext cx="399879" cy="781197"/>
+            <a:chOff x="5630581" y="4506115"/>
+            <a:chExt cx="399879" cy="781197"/>
+          </a:xfrm>
+        </p:grpSpPr>
+        <p:sp>
+          <p:nvSpPr>
+            <p:cNvPr id="18" name="Rectangle 17">
+              <a:extLst>
+                <a:ext uri="{FF2B5EF4-FFF2-40B4-BE49-F238E27FC236}">
+                  <a16:creationId xmlns:a16="http://schemas.microsoft.com/office/drawing/2014/main" id="{11619ADF-26FC-4F9F-94BE-478C9ABAE59C}"/>
+                </a:ext>
+              </a:extLst>
+            </p:cNvPr>
+            <p:cNvSpPr/>
+            <p:nvPr/>
+          </p:nvSpPr>
+          <p:spPr>
+            <a:xfrm>
+              <a:off x="5630581" y="4506115"/>
+              <a:ext cx="399879" cy="781197"/>
+            </a:xfrm>
+            <a:prstGeom prst="rect">
+              <a:avLst/>
+            </a:prstGeom>
+            <a:solidFill>
+              <a:schemeClr val="accent6"/>
+            </a:solidFill>
+            <a:ln>
+              <a:noFill/>
+            </a:ln>
+          </p:spPr>
+          <p:style>
+            <a:lnRef idx="2">
+              <a:schemeClr val="accent1">
+                <a:shade val="50000"/>
+              </a:schemeClr>
+            </a:lnRef>
+            <a:fillRef idx="1">
+              <a:schemeClr val="accent1"/>
+            </a:fillRef>
+            <a:effectRef idx="0">
+              <a:schemeClr val="accent1"/>
+            </a:effectRef>
+            <a:fontRef idx="minor">
+              <a:schemeClr val="lt1"/>
+            </a:fontRef>
+          </p:style>
+          <p:txBody>
+            <a:bodyPr rtlCol="0" anchor="ctr"/>
+            <a:lstStyle/>
+            <a:p>
+              <a:pPr algn="ctr"/>
+              <a:endParaRPr lang="en-US" dirty="0"/>
+            </a:p>
+          </p:txBody>
+        </p:sp>
+        <p:sp>
+          <p:nvSpPr>
+            <p:cNvPr id="22" name="Rectangle 21">
+              <a:extLst>
+                <a:ext uri="{FF2B5EF4-FFF2-40B4-BE49-F238E27FC236}">
+                  <a16:creationId xmlns:a16="http://schemas.microsoft.com/office/drawing/2014/main" id="{A6E106A0-3E02-4129-89B4-7D33AB4B760B}"/>
+                </a:ext>
+              </a:extLst>
+            </p:cNvPr>
+            <p:cNvSpPr/>
+            <p:nvPr/>
+          </p:nvSpPr>
+          <p:spPr>
+            <a:xfrm rot="16200000">
+              <a:off x="5572770" y="4715732"/>
+              <a:ext cx="546047" cy="369332"/>
+            </a:xfrm>
+            <a:prstGeom prst="rect">
+              <a:avLst/>
+            </a:prstGeom>
+            <a:solidFill>
+              <a:schemeClr val="accent6"/>
+            </a:solidFill>
+          </p:spPr>
+          <p:txBody>
+            <a:bodyPr wrap="none" lIns="91440" tIns="45720" rIns="91440" bIns="45720">
+              <a:spAutoFit/>
+            </a:bodyPr>
+            <a:lstStyle/>
+            <a:p>
+              <a:pPr algn="ctr"/>
+              <a:r>
+                <a:rPr lang="en-US" b="0" cap="none" spc="0" dirty="0">
+                  <a:ln w="0"/>
+                  <a:solidFill>
+                    <a:schemeClr val="tx1"/>
+                  </a:solidFill>
+                  <a:effectLst>
+                    <a:outerShdw blurRad="38100" dist="19050" dir="2700000" algn="tl" rotWithShape="0">
+                      <a:schemeClr val="dk1">
+                        <a:alpha val="40000"/>
+                      </a:schemeClr>
+                    </a:outerShdw>
+                  </a:effectLst>
+                </a:rPr>
+                <a:t>LCD</a:t>
+              </a:r>
+            </a:p>
+          </p:txBody>
+        </p:sp>
+      </p:grpSp>
+      <p:grpSp>
+        <p:nvGrpSpPr>
+          <p:cNvPr id="25" name="Group 24">
+            <a:extLst>
+              <a:ext uri="{FF2B5EF4-FFF2-40B4-BE49-F238E27FC236}">
+                <a16:creationId xmlns:a16="http://schemas.microsoft.com/office/drawing/2014/main" id="{74F4C185-D8FD-44B8-AD91-21888C46D40B}"/>
+              </a:ext>
+            </a:extLst>
+          </p:cNvPr>
+          <p:cNvGrpSpPr/>
+          <p:nvPr/>
+        </p:nvGrpSpPr>
+        <p:grpSpPr>
+          <a:xfrm rot="16200000">
+            <a:off x="7408835" y="5699800"/>
+            <a:ext cx="995443" cy="399881"/>
+            <a:chOff x="5508949" y="5570625"/>
+            <a:chExt cx="995443" cy="781197"/>
+          </a:xfrm>
+        </p:grpSpPr>
+        <p:sp>
+          <p:nvSpPr>
+            <p:cNvPr id="21" name="Rectangle 20">
+              <a:extLst>
+                <a:ext uri="{FF2B5EF4-FFF2-40B4-BE49-F238E27FC236}">
+                  <a16:creationId xmlns:a16="http://schemas.microsoft.com/office/drawing/2014/main" id="{DBC6B5F6-24B0-422F-8A2F-2EA70850F89F}"/>
+                </a:ext>
+              </a:extLst>
+            </p:cNvPr>
+            <p:cNvSpPr/>
+            <p:nvPr/>
+          </p:nvSpPr>
+          <p:spPr>
+            <a:xfrm>
+              <a:off x="5630581" y="5570625"/>
+              <a:ext cx="825319" cy="781197"/>
+            </a:xfrm>
+            <a:prstGeom prst="rect">
+              <a:avLst/>
+            </a:prstGeom>
+            <a:solidFill>
+              <a:schemeClr val="accent1">
+                <a:lumMod val="75000"/>
+              </a:schemeClr>
+            </a:solidFill>
+            <a:ln>
+              <a:noFill/>
+            </a:ln>
+          </p:spPr>
+          <p:style>
+            <a:lnRef idx="2">
+              <a:schemeClr val="accent1">
+                <a:shade val="50000"/>
+              </a:schemeClr>
+            </a:lnRef>
+            <a:fillRef idx="1">
+              <a:schemeClr val="accent1"/>
+            </a:fillRef>
+            <a:effectRef idx="0">
+              <a:schemeClr val="accent1"/>
+            </a:effectRef>
+            <a:fontRef idx="minor">
+              <a:schemeClr val="lt1"/>
+            </a:fontRef>
+          </p:style>
+          <p:txBody>
+            <a:bodyPr rtlCol="0" anchor="ctr"/>
+            <a:lstStyle/>
+            <a:p>
+              <a:pPr algn="ctr"/>
+              <a:endParaRPr lang="en-US"/>
+            </a:p>
+          </p:txBody>
+        </p:sp>
+        <p:sp>
+          <p:nvSpPr>
+            <p:cNvPr id="24" name="Rectangle 23">
+              <a:extLst>
+                <a:ext uri="{FF2B5EF4-FFF2-40B4-BE49-F238E27FC236}">
+                  <a16:creationId xmlns:a16="http://schemas.microsoft.com/office/drawing/2014/main" id="{61163F8B-16A9-4A95-BD7C-1AC4E68B035C}"/>
+                </a:ext>
+              </a:extLst>
+            </p:cNvPr>
+            <p:cNvSpPr/>
+            <p:nvPr/>
+          </p:nvSpPr>
+          <p:spPr>
+            <a:xfrm>
+              <a:off x="5508949" y="5791949"/>
+              <a:ext cx="995443" cy="338554"/>
+            </a:xfrm>
+            <a:prstGeom prst="rect">
+              <a:avLst/>
+            </a:prstGeom>
+            <a:noFill/>
+          </p:spPr>
+          <p:txBody>
+            <a:bodyPr wrap="square" lIns="91440" tIns="45720" rIns="91440" bIns="45720">
+              <a:spAutoFit/>
+            </a:bodyPr>
+            <a:lstStyle/>
+            <a:p>
+              <a:pPr algn="ctr"/>
+              <a:r>
+                <a:rPr lang="en-US" sz="1600" b="0" cap="none" spc="0" dirty="0">
+                  <a:ln w="0"/>
+                  <a:solidFill>
+                    <a:schemeClr val="tx1"/>
+                  </a:solidFill>
+                  <a:effectLst>
+                    <a:outerShdw blurRad="38100" dist="19050" dir="2700000" algn="tl" rotWithShape="0">
+                      <a:schemeClr val="dk1">
+                        <a:alpha val="40000"/>
+                      </a:schemeClr>
+                    </a:outerShdw>
+                  </a:effectLst>
+                </a:rPr>
+                <a:t>RGB</a:t>
+              </a:r>
+            </a:p>
+          </p:txBody>
+        </p:sp>
+      </p:grpSp>
+      <p:sp>
+        <p:nvSpPr>
+          <p:cNvPr id="26" name="Rectangle 25">
+            <a:extLst>
+              <a:ext uri="{FF2B5EF4-FFF2-40B4-BE49-F238E27FC236}">
+                <a16:creationId xmlns:a16="http://schemas.microsoft.com/office/drawing/2014/main" id="{71517D80-E594-4CB4-9DD2-2D14387A696A}"/>
+              </a:ext>
+            </a:extLst>
+          </p:cNvPr>
+          <p:cNvSpPr/>
+          <p:nvPr/>
+        </p:nvSpPr>
+        <p:spPr>
+          <a:xfrm>
+            <a:off x="3271803" y="3750755"/>
+            <a:ext cx="3195696" cy="1609985"/>
+          </a:xfrm>
+          <a:prstGeom prst="rect">
+            <a:avLst/>
+          </a:prstGeom>
+        </p:spPr>
+        <p:style>
+          <a:lnRef idx="2">
+            <a:schemeClr val="accent1">
+              <a:shade val="50000"/>
+            </a:schemeClr>
+          </a:lnRef>
+          <a:fillRef idx="1">
+            <a:schemeClr val="accent1"/>
+          </a:fillRef>
+          <a:effectRef idx="0">
+            <a:schemeClr val="accent1"/>
+          </a:effectRef>
+          <a:fontRef idx="minor">
+            <a:schemeClr val="lt1"/>
+          </a:fontRef>
+        </p:style>
+        <p:txBody>
+          <a:bodyPr rtlCol="0" anchor="ctr"/>
+          <a:lstStyle/>
+          <a:p>
+            <a:pPr algn="ctr"/>
+            <a:endParaRPr lang="en-US"/>
+          </a:p>
+        </p:txBody>
+      </p:sp>
+      <p:sp>
+        <p:nvSpPr>
+          <p:cNvPr id="27" name="Rectangle 26">
+            <a:extLst>
+              <a:ext uri="{FF2B5EF4-FFF2-40B4-BE49-F238E27FC236}">
+                <a16:creationId xmlns:a16="http://schemas.microsoft.com/office/drawing/2014/main" id="{A90DDA05-98AE-467C-A534-FD421C1CC479}"/>
+              </a:ext>
+            </a:extLst>
+          </p:cNvPr>
+          <p:cNvSpPr/>
+          <p:nvPr/>
+        </p:nvSpPr>
+        <p:spPr>
+          <a:xfrm>
+            <a:off x="3295890" y="5570625"/>
+            <a:ext cx="3195696" cy="744625"/>
+          </a:xfrm>
+          <a:prstGeom prst="rect">
+            <a:avLst/>
+          </a:prstGeom>
+        </p:spPr>
+        <p:style>
+          <a:lnRef idx="2">
+            <a:schemeClr val="accent1">
+              <a:shade val="50000"/>
+            </a:schemeClr>
+          </a:lnRef>
+          <a:fillRef idx="1">
+            <a:schemeClr val="accent1"/>
+          </a:fillRef>
+          <a:effectRef idx="0">
+            <a:schemeClr val="accent1"/>
+          </a:effectRef>
+          <a:fontRef idx="minor">
+            <a:schemeClr val="lt1"/>
+          </a:fontRef>
+        </p:style>
+        <p:txBody>
+          <a:bodyPr rtlCol="0" anchor="ctr"/>
+          <a:lstStyle/>
+          <a:p>
+            <a:pPr algn="ctr"/>
+            <a:endParaRPr lang="en-US"/>
+          </a:p>
+        </p:txBody>
+      </p:sp>
+      <p:sp>
+        <p:nvSpPr>
+          <p:cNvPr id="28" name="Rectangle 27">
+            <a:extLst>
+              <a:ext uri="{FF2B5EF4-FFF2-40B4-BE49-F238E27FC236}">
+                <a16:creationId xmlns:a16="http://schemas.microsoft.com/office/drawing/2014/main" id="{1EBFED0E-9E6F-49B8-8D41-4065286649CB}"/>
+              </a:ext>
+            </a:extLst>
+          </p:cNvPr>
+          <p:cNvSpPr/>
+          <p:nvPr/>
+        </p:nvSpPr>
+        <p:spPr>
+          <a:xfrm>
+            <a:off x="3754539" y="5625355"/>
+            <a:ext cx="2230226" cy="523220"/>
+          </a:xfrm>
+          <a:prstGeom prst="rect">
+            <a:avLst/>
+          </a:prstGeom>
+          <a:noFill/>
+        </p:spPr>
+        <p:txBody>
+          <a:bodyPr wrap="none" lIns="91440" tIns="45720" rIns="91440" bIns="45720">
+            <a:spAutoFit/>
+          </a:bodyPr>
+          <a:lstStyle/>
+          <a:p>
+            <a:pPr algn="ctr"/>
+            <a:r>
+              <a:rPr lang="en-US" sz="2800" dirty="0">
+                <a:ln w="0"/>
+                <a:effectLst>
+                  <a:outerShdw blurRad="38100" dist="19050" dir="2700000" algn="tl" rotWithShape="0">
+                    <a:schemeClr val="dk1">
+                      <a:alpha val="40000"/>
+                    </a:schemeClr>
+                  </a:outerShdw>
+                </a:effectLst>
+              </a:rPr>
+              <a:t>BREADBOARD</a:t>
+            </a:r>
+            <a:endParaRPr lang="en-US" sz="2800" b="0" cap="none" spc="0" dirty="0">
+              <a:ln w="0"/>
+              <a:solidFill>
+                <a:schemeClr val="tx1"/>
+              </a:solidFill>
+              <a:effectLst>
+                <a:outerShdw blurRad="38100" dist="19050" dir="2700000" algn="tl" rotWithShape="0">
+                  <a:schemeClr val="dk1">
+                    <a:alpha val="40000"/>
+                  </a:schemeClr>
+                </a:outerShdw>
+              </a:effectLst>
+            </a:endParaRPr>
+          </a:p>
+        </p:txBody>
+      </p:sp>
+      <p:sp>
+        <p:nvSpPr>
+          <p:cNvPr id="29" name="Rectangle 28">
+            <a:extLst>
+              <a:ext uri="{FF2B5EF4-FFF2-40B4-BE49-F238E27FC236}">
+                <a16:creationId xmlns:a16="http://schemas.microsoft.com/office/drawing/2014/main" id="{220B3B72-2A20-4282-852D-8A67DD6A22E1}"/>
+              </a:ext>
+            </a:extLst>
+          </p:cNvPr>
+          <p:cNvSpPr/>
+          <p:nvPr/>
+        </p:nvSpPr>
+        <p:spPr>
+          <a:xfrm>
+            <a:off x="4228611" y="4465404"/>
+            <a:ext cx="1600118" cy="523220"/>
+          </a:xfrm>
+          <a:prstGeom prst="rect">
+            <a:avLst/>
+          </a:prstGeom>
+          <a:noFill/>
+        </p:spPr>
+        <p:txBody>
+          <a:bodyPr wrap="none" lIns="91440" tIns="45720" rIns="91440" bIns="45720">
+            <a:spAutoFit/>
+          </a:bodyPr>
+          <a:lstStyle/>
+          <a:p>
+            <a:pPr algn="ctr"/>
+            <a:r>
+              <a:rPr lang="en-US" sz="2800" dirty="0">
+                <a:ln w="0"/>
+                <a:effectLst>
+                  <a:outerShdw blurRad="38100" dist="19050" dir="2700000" algn="tl" rotWithShape="0">
+                    <a:schemeClr val="dk1">
+                      <a:alpha val="40000"/>
+                    </a:schemeClr>
+                  </a:outerShdw>
+                </a:effectLst>
+              </a:rPr>
+              <a:t>ARDUINO</a:t>
+            </a:r>
+            <a:endParaRPr lang="en-US" sz="2800" b="0" cap="none" spc="0" dirty="0">
+              <a:ln w="0"/>
+              <a:solidFill>
+                <a:schemeClr val="tx1"/>
+              </a:solidFill>
+              <a:effectLst>
+                <a:outerShdw blurRad="38100" dist="19050" dir="2700000" algn="tl" rotWithShape="0">
+                  <a:schemeClr val="dk1">
+                    <a:alpha val="40000"/>
+                  </a:schemeClr>
+                </a:outerShdw>
+              </a:effectLst>
+            </a:endParaRPr>
+          </a:p>
+        </p:txBody>
+      </p:sp>
+    </p:spTree>
+    <p:extLst>
+      <p:ext uri="{BB962C8B-B14F-4D97-AF65-F5344CB8AC3E}">
+        <p14:creationId xmlns:p14="http://schemas.microsoft.com/office/powerpoint/2010/main" val="3836216386"/>
+      </p:ext>
+    </p:extLst>
+  </p:cSld>
+  <p:clrMapOvr>
+    <a:masterClrMapping/>
+  </p:clrMapOvr>
+</p:sld>
+</file>
+
+<file path=ppt/slides/slide4.xml><?xml version="1.0" encoding="utf-8"?>
+<p:sld xmlns:a="http://schemas.openxmlformats.org/drawingml/2006/main" xmlns:r="http://schemas.openxmlformats.org/officeDocument/2006/relationships" xmlns:p="http://schemas.openxmlformats.org/presentationml/2006/main">
+  <p:cSld>
+    <p:spTree>
+      <p:nvGrpSpPr>
+        <p:cNvPr id="1" name=""/>
+        <p:cNvGrpSpPr/>
+        <p:nvPr/>
+      </p:nvGrpSpPr>
+      <p:grpSpPr>
+        <a:xfrm>
+          <a:off x="0" y="0"/>
+          <a:ext cx="0" cy="0"/>
+          <a:chOff x="0" y="0"/>
+          <a:chExt cx="0" cy="0"/>
+        </a:xfrm>
+      </p:grpSpPr>
+    </p:spTree>
+    <p:extLst>
+      <p:ext uri="{BB962C8B-B14F-4D97-AF65-F5344CB8AC3E}">
+        <p14:creationId xmlns:p14="http://schemas.microsoft.com/office/powerpoint/2010/main" val="763214432"/>
       </p:ext>
     </p:extLst>
   </p:cSld>

--- a/Design.pptx
+++ b/Design.pptx
@@ -8,7 +8,6 @@
     <p:sldId id="257" r:id="rId2"/>
     <p:sldId id="256" r:id="rId3"/>
     <p:sldId id="259" r:id="rId4"/>
-    <p:sldId id="258" r:id="rId5"/>
   </p:sldIdLst>
   <p:sldSz cx="9906000" cy="6858000" type="A4"/>
   <p:notesSz cx="6858000" cy="9144000"/>
@@ -246,7 +245,7 @@
           <a:p>
             <a:fld id="{8F80317F-7566-477F-B6CD-3F9706F5EF1A}" type="datetimeFigureOut">
               <a:rPr lang="en-US" smtClean="0"/>
-              <a:t>27-Jun-22</a:t>
+              <a:t>02-Jul-22</a:t>
             </a:fld>
             <a:endParaRPr lang="en-US"/>
           </a:p>
@@ -416,7 +415,7 @@
           <a:p>
             <a:fld id="{8F80317F-7566-477F-B6CD-3F9706F5EF1A}" type="datetimeFigureOut">
               <a:rPr lang="en-US" smtClean="0"/>
-              <a:t>27-Jun-22</a:t>
+              <a:t>02-Jul-22</a:t>
             </a:fld>
             <a:endParaRPr lang="en-US"/>
           </a:p>
@@ -596,7 +595,7 @@
           <a:p>
             <a:fld id="{8F80317F-7566-477F-B6CD-3F9706F5EF1A}" type="datetimeFigureOut">
               <a:rPr lang="en-US" smtClean="0"/>
-              <a:t>27-Jun-22</a:t>
+              <a:t>02-Jul-22</a:t>
             </a:fld>
             <a:endParaRPr lang="en-US"/>
           </a:p>
@@ -766,7 +765,7 @@
           <a:p>
             <a:fld id="{8F80317F-7566-477F-B6CD-3F9706F5EF1A}" type="datetimeFigureOut">
               <a:rPr lang="en-US" smtClean="0"/>
-              <a:t>27-Jun-22</a:t>
+              <a:t>02-Jul-22</a:t>
             </a:fld>
             <a:endParaRPr lang="en-US"/>
           </a:p>
@@ -1010,7 +1009,7 @@
           <a:p>
             <a:fld id="{8F80317F-7566-477F-B6CD-3F9706F5EF1A}" type="datetimeFigureOut">
               <a:rPr lang="en-US" smtClean="0"/>
-              <a:t>27-Jun-22</a:t>
+              <a:t>02-Jul-22</a:t>
             </a:fld>
             <a:endParaRPr lang="en-US"/>
           </a:p>
@@ -1242,7 +1241,7 @@
           <a:p>
             <a:fld id="{8F80317F-7566-477F-B6CD-3F9706F5EF1A}" type="datetimeFigureOut">
               <a:rPr lang="en-US" smtClean="0"/>
-              <a:t>27-Jun-22</a:t>
+              <a:t>02-Jul-22</a:t>
             </a:fld>
             <a:endParaRPr lang="en-US"/>
           </a:p>
@@ -1609,7 +1608,7 @@
           <a:p>
             <a:fld id="{8F80317F-7566-477F-B6CD-3F9706F5EF1A}" type="datetimeFigureOut">
               <a:rPr lang="en-US" smtClean="0"/>
-              <a:t>27-Jun-22</a:t>
+              <a:t>02-Jul-22</a:t>
             </a:fld>
             <a:endParaRPr lang="en-US"/>
           </a:p>
@@ -1727,7 +1726,7 @@
           <a:p>
             <a:fld id="{8F80317F-7566-477F-B6CD-3F9706F5EF1A}" type="datetimeFigureOut">
               <a:rPr lang="en-US" smtClean="0"/>
-              <a:t>27-Jun-22</a:t>
+              <a:t>02-Jul-22</a:t>
             </a:fld>
             <a:endParaRPr lang="en-US"/>
           </a:p>
@@ -1822,7 +1821,7 @@
           <a:p>
             <a:fld id="{8F80317F-7566-477F-B6CD-3F9706F5EF1A}" type="datetimeFigureOut">
               <a:rPr lang="en-US" smtClean="0"/>
-              <a:t>27-Jun-22</a:t>
+              <a:t>02-Jul-22</a:t>
             </a:fld>
             <a:endParaRPr lang="en-US"/>
           </a:p>
@@ -2099,7 +2098,7 @@
           <a:p>
             <a:fld id="{8F80317F-7566-477F-B6CD-3F9706F5EF1A}" type="datetimeFigureOut">
               <a:rPr lang="en-US" smtClean="0"/>
-              <a:t>27-Jun-22</a:t>
+              <a:t>02-Jul-22</a:t>
             </a:fld>
             <a:endParaRPr lang="en-US"/>
           </a:p>
@@ -2356,7 +2355,7 @@
           <a:p>
             <a:fld id="{8F80317F-7566-477F-B6CD-3F9706F5EF1A}" type="datetimeFigureOut">
               <a:rPr lang="en-US" smtClean="0"/>
-              <a:t>27-Jun-22</a:t>
+              <a:t>02-Jul-22</a:t>
             </a:fld>
             <a:endParaRPr lang="en-US"/>
           </a:p>
@@ -2569,7 +2568,7 @@
           <a:p>
             <a:fld id="{8F80317F-7566-477F-B6CD-3F9706F5EF1A}" type="datetimeFigureOut">
               <a:rPr lang="en-US" smtClean="0"/>
-              <a:t>27-Jun-22</a:t>
+              <a:t>02-Jul-22</a:t>
             </a:fld>
             <a:endParaRPr lang="en-US"/>
           </a:p>
@@ -5902,36 +5901,6 @@
 </p:sld>
 </file>
 
-<file path=ppt/slides/slide4.xml><?xml version="1.0" encoding="utf-8"?>
-<p:sld xmlns:a="http://schemas.openxmlformats.org/drawingml/2006/main" xmlns:r="http://schemas.openxmlformats.org/officeDocument/2006/relationships" xmlns:p="http://schemas.openxmlformats.org/presentationml/2006/main">
-  <p:cSld>
-    <p:spTree>
-      <p:nvGrpSpPr>
-        <p:cNvPr id="1" name=""/>
-        <p:cNvGrpSpPr/>
-        <p:nvPr/>
-      </p:nvGrpSpPr>
-      <p:grpSpPr>
-        <a:xfrm>
-          <a:off x="0" y="0"/>
-          <a:ext cx="0" cy="0"/>
-          <a:chOff x="0" y="0"/>
-          <a:chExt cx="0" cy="0"/>
-        </a:xfrm>
-      </p:grpSpPr>
-    </p:spTree>
-    <p:extLst>
-      <p:ext uri="{BB962C8B-B14F-4D97-AF65-F5344CB8AC3E}">
-        <p14:creationId xmlns:p14="http://schemas.microsoft.com/office/powerpoint/2010/main" val="763214432"/>
-      </p:ext>
-    </p:extLst>
-  </p:cSld>
-  <p:clrMapOvr>
-    <a:masterClrMapping/>
-  </p:clrMapOvr>
-</p:sld>
-</file>
-
 <file path=ppt/theme/theme1.xml><?xml version="1.0" encoding="utf-8"?>
 <a:theme xmlns:a="http://schemas.openxmlformats.org/drawingml/2006/main" name="Office Theme">
   <a:themeElements>
